--- a/resources/ppt-slides/control-flow-if-statement.pptx
+++ b/resources/ppt-slides/control-flow-if-statement.pptx
@@ -248,7 +248,7 @@
           <a:p>
             <a:fld id="{964302DC-9F53-934F-AE4D-0F1F197008C1}" type="datetimeFigureOut">
               <a:rPr lang="en-US" smtClean="0"/>
-              <a:t>2/9/24</a:t>
+              <a:t>2/2/24</a:t>
             </a:fld>
             <a:endParaRPr lang="en-US"/>
           </a:p>
@@ -418,7 +418,7 @@
           <a:p>
             <a:fld id="{964302DC-9F53-934F-AE4D-0F1F197008C1}" type="datetimeFigureOut">
               <a:rPr lang="en-US" smtClean="0"/>
-              <a:t>2/9/24</a:t>
+              <a:t>2/2/24</a:t>
             </a:fld>
             <a:endParaRPr lang="en-US"/>
           </a:p>
@@ -598,7 +598,7 @@
           <a:p>
             <a:fld id="{964302DC-9F53-934F-AE4D-0F1F197008C1}" type="datetimeFigureOut">
               <a:rPr lang="en-US" smtClean="0"/>
-              <a:t>2/9/24</a:t>
+              <a:t>2/2/24</a:t>
             </a:fld>
             <a:endParaRPr lang="en-US"/>
           </a:p>
@@ -768,7 +768,7 @@
           <a:p>
             <a:fld id="{964302DC-9F53-934F-AE4D-0F1F197008C1}" type="datetimeFigureOut">
               <a:rPr lang="en-US" smtClean="0"/>
-              <a:t>2/9/24</a:t>
+              <a:t>2/2/24</a:t>
             </a:fld>
             <a:endParaRPr lang="en-US"/>
           </a:p>
@@ -1012,7 +1012,7 @@
           <a:p>
             <a:fld id="{964302DC-9F53-934F-AE4D-0F1F197008C1}" type="datetimeFigureOut">
               <a:rPr lang="en-US" smtClean="0"/>
-              <a:t>2/9/24</a:t>
+              <a:t>2/2/24</a:t>
             </a:fld>
             <a:endParaRPr lang="en-US"/>
           </a:p>
@@ -1244,7 +1244,7 @@
           <a:p>
             <a:fld id="{964302DC-9F53-934F-AE4D-0F1F197008C1}" type="datetimeFigureOut">
               <a:rPr lang="en-US" smtClean="0"/>
-              <a:t>2/9/24</a:t>
+              <a:t>2/2/24</a:t>
             </a:fld>
             <a:endParaRPr lang="en-US"/>
           </a:p>
@@ -1611,7 +1611,7 @@
           <a:p>
             <a:fld id="{964302DC-9F53-934F-AE4D-0F1F197008C1}" type="datetimeFigureOut">
               <a:rPr lang="en-US" smtClean="0"/>
-              <a:t>2/9/24</a:t>
+              <a:t>2/2/24</a:t>
             </a:fld>
             <a:endParaRPr lang="en-US"/>
           </a:p>
@@ -1729,7 +1729,7 @@
           <a:p>
             <a:fld id="{964302DC-9F53-934F-AE4D-0F1F197008C1}" type="datetimeFigureOut">
               <a:rPr lang="en-US" smtClean="0"/>
-              <a:t>2/9/24</a:t>
+              <a:t>2/2/24</a:t>
             </a:fld>
             <a:endParaRPr lang="en-US"/>
           </a:p>
@@ -1824,7 +1824,7 @@
           <a:p>
             <a:fld id="{964302DC-9F53-934F-AE4D-0F1F197008C1}" type="datetimeFigureOut">
               <a:rPr lang="en-US" smtClean="0"/>
-              <a:t>2/9/24</a:t>
+              <a:t>2/2/24</a:t>
             </a:fld>
             <a:endParaRPr lang="en-US"/>
           </a:p>
@@ -2101,7 +2101,7 @@
           <a:p>
             <a:fld id="{964302DC-9F53-934F-AE4D-0F1F197008C1}" type="datetimeFigureOut">
               <a:rPr lang="en-US" smtClean="0"/>
-              <a:t>2/9/24</a:t>
+              <a:t>2/2/24</a:t>
             </a:fld>
             <a:endParaRPr lang="en-US"/>
           </a:p>
@@ -2358,7 +2358,7 @@
           <a:p>
             <a:fld id="{964302DC-9F53-934F-AE4D-0F1F197008C1}" type="datetimeFigureOut">
               <a:rPr lang="en-US" smtClean="0"/>
-              <a:t>2/9/24</a:t>
+              <a:t>2/2/24</a:t>
             </a:fld>
             <a:endParaRPr lang="en-US"/>
           </a:p>
@@ -2423,18 +2423,9 @@
 <p:sldMaster xmlns:a="http://schemas.openxmlformats.org/drawingml/2006/main" xmlns:r="http://schemas.openxmlformats.org/officeDocument/2006/relationships" xmlns:p="http://schemas.openxmlformats.org/presentationml/2006/main">
   <p:cSld>
     <p:bg>
-      <p:bgPr>
-        <a:blipFill dpi="0" rotWithShape="1">
-          <a:blip r:embed="rId13">
-            <a:lum/>
-          </a:blip>
-          <a:srcRect/>
-          <a:stretch>
-            <a:fillRect/>
-          </a:stretch>
-        </a:blipFill>
-        <a:effectLst/>
-      </p:bgPr>
+      <p:bgRef idx="1001">
+        <a:schemeClr val="bg1"/>
+      </p:bgRef>
     </p:bg>
     <p:spTree>
       <p:nvGrpSpPr>
@@ -2580,7 +2571,7 @@
           <a:p>
             <a:fld id="{964302DC-9F53-934F-AE4D-0F1F197008C1}" type="datetimeFigureOut">
               <a:rPr lang="en-US" smtClean="0"/>
-              <a:t>2/9/24</a:t>
+              <a:t>2/2/24</a:t>
             </a:fld>
             <a:endParaRPr lang="en-US"/>
           </a:p>
@@ -2971,6 +2962,20 @@
 <file path=ppt/slides/slide1.xml><?xml version="1.0" encoding="utf-8"?>
 <p:sld xmlns:a="http://schemas.openxmlformats.org/drawingml/2006/main" xmlns:r="http://schemas.openxmlformats.org/officeDocument/2006/relationships" xmlns:p="http://schemas.openxmlformats.org/presentationml/2006/main">
   <p:cSld>
+    <p:bg>
+      <p:bgPr>
+        <a:blipFill dpi="0" rotWithShape="1">
+          <a:blip r:embed="rId2">
+            <a:lum/>
+          </a:blip>
+          <a:srcRect/>
+          <a:stretch>
+            <a:fillRect/>
+          </a:stretch>
+        </a:blipFill>
+        <a:effectLst/>
+      </p:bgPr>
+    </p:bg>
     <p:spTree>
       <p:nvGrpSpPr>
         <p:cNvPr id="1" name=""/>
@@ -3131,7 +3136,7 @@
                     </a:schemeClr>
                   </a:solidFill>
                 </a:rPr>
-                <a:t>    WriteLine("Good choice, C# is a fine language.");</a:t>
+                <a:t>  WriteLine("Good choice, C# is a fine language.");</a:t>
               </a:r>
             </a:p>
             <a:p>
@@ -3216,7 +3221,7 @@
               <p:nvPr/>
             </p:nvPicPr>
             <p:blipFill>
-              <a:blip r:embed="rId2">
+              <a:blip r:embed="rId3">
                 <a:alphaModFix amt="30000"/>
               </a:blip>
               <a:stretch>
@@ -5307,7 +5312,7 @@
             <p:nvPr/>
           </p:nvPicPr>
           <p:blipFill>
-            <a:blip r:embed="rId3">
+            <a:blip r:embed="rId4">
               <a:alphaModFix amt="30000"/>
             </a:blip>
             <a:stretch>
@@ -5396,6 +5401,272 @@
               <a:r>
                 <a:rPr lang="en-US" dirty="0"/>
                 <a:t>C#</a:t>
+              </a:r>
+            </a:p>
+          </p:txBody>
+        </p:sp>
+        <p:sp>
+          <p:nvSpPr>
+            <p:cNvPr id="9" name="Rectangle 8">
+              <a:extLst>
+                <a:ext uri="{FF2B5EF4-FFF2-40B4-BE49-F238E27FC236}">
+                  <a16:creationId xmlns:a16="http://schemas.microsoft.com/office/drawing/2014/main" id="{5DC39B20-F863-7C67-FD78-60CFCC23A0E8}"/>
+                </a:ext>
+              </a:extLst>
+            </p:cNvPr>
+            <p:cNvSpPr/>
+            <p:nvPr/>
+          </p:nvSpPr>
+          <p:spPr>
+            <a:xfrm>
+              <a:off x="5034017" y="-2432404"/>
+              <a:ext cx="2127795" cy="1085065"/>
+            </a:xfrm>
+            <a:custGeom>
+              <a:avLst/>
+              <a:gdLst>
+                <a:gd name="connsiteX0" fmla="*/ 0 w 2127795"/>
+                <a:gd name="connsiteY0" fmla="*/ 0 h 1085065"/>
+                <a:gd name="connsiteX1" fmla="*/ 510671 w 2127795"/>
+                <a:gd name="connsiteY1" fmla="*/ 0 h 1085065"/>
+                <a:gd name="connsiteX2" fmla="*/ 1042620 w 2127795"/>
+                <a:gd name="connsiteY2" fmla="*/ 0 h 1085065"/>
+                <a:gd name="connsiteX3" fmla="*/ 1595846 w 2127795"/>
+                <a:gd name="connsiteY3" fmla="*/ 0 h 1085065"/>
+                <a:gd name="connsiteX4" fmla="*/ 2127795 w 2127795"/>
+                <a:gd name="connsiteY4" fmla="*/ 0 h 1085065"/>
+                <a:gd name="connsiteX5" fmla="*/ 2127795 w 2127795"/>
+                <a:gd name="connsiteY5" fmla="*/ 553383 h 1085065"/>
+                <a:gd name="connsiteX6" fmla="*/ 2127795 w 2127795"/>
+                <a:gd name="connsiteY6" fmla="*/ 1085065 h 1085065"/>
+                <a:gd name="connsiteX7" fmla="*/ 1553290 w 2127795"/>
+                <a:gd name="connsiteY7" fmla="*/ 1085065 h 1085065"/>
+                <a:gd name="connsiteX8" fmla="*/ 978786 w 2127795"/>
+                <a:gd name="connsiteY8" fmla="*/ 1085065 h 1085065"/>
+                <a:gd name="connsiteX9" fmla="*/ 0 w 2127795"/>
+                <a:gd name="connsiteY9" fmla="*/ 1085065 h 1085065"/>
+                <a:gd name="connsiteX10" fmla="*/ 0 w 2127795"/>
+                <a:gd name="connsiteY10" fmla="*/ 553383 h 1085065"/>
+                <a:gd name="connsiteX11" fmla="*/ 0 w 2127795"/>
+                <a:gd name="connsiteY11" fmla="*/ 0 h 1085065"/>
+              </a:gdLst>
+              <a:ahLst/>
+              <a:cxnLst>
+                <a:cxn ang="0">
+                  <a:pos x="connsiteX0" y="connsiteY0"/>
+                </a:cxn>
+                <a:cxn ang="0">
+                  <a:pos x="connsiteX1" y="connsiteY1"/>
+                </a:cxn>
+                <a:cxn ang="0">
+                  <a:pos x="connsiteX2" y="connsiteY2"/>
+                </a:cxn>
+                <a:cxn ang="0">
+                  <a:pos x="connsiteX3" y="connsiteY3"/>
+                </a:cxn>
+                <a:cxn ang="0">
+                  <a:pos x="connsiteX4" y="connsiteY4"/>
+                </a:cxn>
+                <a:cxn ang="0">
+                  <a:pos x="connsiteX5" y="connsiteY5"/>
+                </a:cxn>
+                <a:cxn ang="0">
+                  <a:pos x="connsiteX6" y="connsiteY6"/>
+                </a:cxn>
+                <a:cxn ang="0">
+                  <a:pos x="connsiteX7" y="connsiteY7"/>
+                </a:cxn>
+                <a:cxn ang="0">
+                  <a:pos x="connsiteX8" y="connsiteY8"/>
+                </a:cxn>
+                <a:cxn ang="0">
+                  <a:pos x="connsiteX9" y="connsiteY9"/>
+                </a:cxn>
+                <a:cxn ang="0">
+                  <a:pos x="connsiteX10" y="connsiteY10"/>
+                </a:cxn>
+                <a:cxn ang="0">
+                  <a:pos x="connsiteX11" y="connsiteY11"/>
+                </a:cxn>
+              </a:cxnLst>
+              <a:rect l="l" t="t" r="r" b="b"/>
+              <a:pathLst>
+                <a:path w="2127795" h="1085065" fill="none" extrusionOk="0">
+                  <a:moveTo>
+                    <a:pt x="0" y="0"/>
+                  </a:moveTo>
+                  <a:cubicBezTo>
+                    <a:pt x="119302" y="-23815"/>
+                    <a:pt x="321953" y="-4268"/>
+                    <a:pt x="510671" y="0"/>
+                  </a:cubicBezTo>
+                  <a:cubicBezTo>
+                    <a:pt x="699389" y="4268"/>
+                    <a:pt x="838038" y="-4296"/>
+                    <a:pt x="1042620" y="0"/>
+                  </a:cubicBezTo>
+                  <a:cubicBezTo>
+                    <a:pt x="1247202" y="4296"/>
+                    <a:pt x="1418238" y="-20161"/>
+                    <a:pt x="1595846" y="0"/>
+                  </a:cubicBezTo>
+                  <a:cubicBezTo>
+                    <a:pt x="1773454" y="20161"/>
+                    <a:pt x="1930348" y="288"/>
+                    <a:pt x="2127795" y="0"/>
+                  </a:cubicBezTo>
+                  <a:cubicBezTo>
+                    <a:pt x="2127420" y="271704"/>
+                    <a:pt x="2137858" y="397892"/>
+                    <a:pt x="2127795" y="553383"/>
+                  </a:cubicBezTo>
+                  <a:cubicBezTo>
+                    <a:pt x="2117732" y="708874"/>
+                    <a:pt x="2106280" y="956975"/>
+                    <a:pt x="2127795" y="1085065"/>
+                  </a:cubicBezTo>
+                  <a:cubicBezTo>
+                    <a:pt x="1890946" y="1101697"/>
+                    <a:pt x="1709293" y="1081968"/>
+                    <a:pt x="1553290" y="1085065"/>
+                  </a:cubicBezTo>
+                  <a:cubicBezTo>
+                    <a:pt x="1397287" y="1088162"/>
+                    <a:pt x="1242166" y="1089720"/>
+                    <a:pt x="978786" y="1085065"/>
+                  </a:cubicBezTo>
+                  <a:cubicBezTo>
+                    <a:pt x="715406" y="1080410"/>
+                    <a:pt x="281211" y="1084892"/>
+                    <a:pt x="0" y="1085065"/>
+                  </a:cubicBezTo>
+                  <a:cubicBezTo>
+                    <a:pt x="-13849" y="960040"/>
+                    <a:pt x="-19899" y="725067"/>
+                    <a:pt x="0" y="553383"/>
+                  </a:cubicBezTo>
+                  <a:cubicBezTo>
+                    <a:pt x="19899" y="381699"/>
+                    <a:pt x="-3693" y="272116"/>
+                    <a:pt x="0" y="0"/>
+                  </a:cubicBezTo>
+                  <a:close/>
+                </a:path>
+                <a:path w="2127795" h="1085065" stroke="0" extrusionOk="0">
+                  <a:moveTo>
+                    <a:pt x="0" y="0"/>
+                  </a:moveTo>
+                  <a:cubicBezTo>
+                    <a:pt x="171248" y="-8495"/>
+                    <a:pt x="325453" y="21877"/>
+                    <a:pt x="510671" y="0"/>
+                  </a:cubicBezTo>
+                  <a:cubicBezTo>
+                    <a:pt x="695889" y="-21877"/>
+                    <a:pt x="802356" y="-16277"/>
+                    <a:pt x="978786" y="0"/>
+                  </a:cubicBezTo>
+                  <a:cubicBezTo>
+                    <a:pt x="1155217" y="16277"/>
+                    <a:pt x="1321550" y="15209"/>
+                    <a:pt x="1553290" y="0"/>
+                  </a:cubicBezTo>
+                  <a:cubicBezTo>
+                    <a:pt x="1785030" y="-15209"/>
+                    <a:pt x="1999571" y="-24705"/>
+                    <a:pt x="2127795" y="0"/>
+                  </a:cubicBezTo>
+                  <a:cubicBezTo>
+                    <a:pt x="2106315" y="169500"/>
+                    <a:pt x="2151273" y="285308"/>
+                    <a:pt x="2127795" y="531682"/>
+                  </a:cubicBezTo>
+                  <a:cubicBezTo>
+                    <a:pt x="2104317" y="778056"/>
+                    <a:pt x="2118403" y="967639"/>
+                    <a:pt x="2127795" y="1085065"/>
+                  </a:cubicBezTo>
+                  <a:cubicBezTo>
+                    <a:pt x="1970448" y="1066755"/>
+                    <a:pt x="1767058" y="1074801"/>
+                    <a:pt x="1595846" y="1085065"/>
+                  </a:cubicBezTo>
+                  <a:cubicBezTo>
+                    <a:pt x="1424634" y="1095329"/>
+                    <a:pt x="1144488" y="1080688"/>
+                    <a:pt x="1021342" y="1085065"/>
+                  </a:cubicBezTo>
+                  <a:cubicBezTo>
+                    <a:pt x="898196" y="1089442"/>
+                    <a:pt x="704334" y="1073542"/>
+                    <a:pt x="553227" y="1085065"/>
+                  </a:cubicBezTo>
+                  <a:cubicBezTo>
+                    <a:pt x="402121" y="1096588"/>
+                    <a:pt x="151220" y="1095466"/>
+                    <a:pt x="0" y="1085065"/>
+                  </a:cubicBezTo>
+                  <a:cubicBezTo>
+                    <a:pt x="21856" y="935562"/>
+                    <a:pt x="-26363" y="762075"/>
+                    <a:pt x="0" y="542533"/>
+                  </a:cubicBezTo>
+                  <a:cubicBezTo>
+                    <a:pt x="26363" y="322991"/>
+                    <a:pt x="24427" y="211558"/>
+                    <a:pt x="0" y="0"/>
+                  </a:cubicBezTo>
+                  <a:close/>
+                </a:path>
+              </a:pathLst>
+            </a:custGeom>
+            <a:solidFill>
+              <a:schemeClr val="accent4">
+                <a:lumMod val="60000"/>
+                <a:lumOff val="40000"/>
+              </a:schemeClr>
+            </a:solidFill>
+            <a:ln w="12700">
+              <a:solidFill>
+                <a:schemeClr val="tx1"/>
+              </a:solidFill>
+              <a:extLst>
+                <a:ext uri="{C807C97D-BFC1-408E-A445-0C87EB9F89A2}">
+                  <ask:lineSketchStyleProps xmlns:ask="http://schemas.microsoft.com/office/drawing/2018/sketchyshapes" sd="1219033472">
+                    <a:prstGeom prst="rect">
+                      <a:avLst/>
+                    </a:prstGeom>
+                    <ask:type>
+                      <ask:lineSketchFreehand/>
+                    </ask:type>
+                  </ask:lineSketchStyleProps>
+                </a:ext>
+              </a:extLst>
+            </a:ln>
+            <a:effectLst/>
+          </p:spPr>
+          <p:style>
+            <a:lnRef idx="1">
+              <a:schemeClr val="accent4"/>
+            </a:lnRef>
+            <a:fillRef idx="2">
+              <a:schemeClr val="accent4"/>
+            </a:fillRef>
+            <a:effectRef idx="1">
+              <a:schemeClr val="accent4"/>
+            </a:effectRef>
+            <a:fontRef idx="minor">
+              <a:schemeClr val="dk1"/>
+            </a:fontRef>
+          </p:style>
+          <p:txBody>
+            <a:bodyPr rtlCol="0" anchor="ctr"/>
+            <a:lstStyle/>
+            <a:p>
+              <a:pPr algn="ctr"/>
+              <a:r>
+                <a:rPr lang="en-US" sz="1600" dirty="0"/>
+                <a:t>Let’s see what happens if the user inputs “C#”</a:t>
               </a:r>
             </a:p>
           </p:txBody>
@@ -5573,6 +5844,20 @@
 <file path=ppt/slides/slide2.xml><?xml version="1.0" encoding="utf-8"?>
 <p:sld xmlns:a="http://schemas.openxmlformats.org/drawingml/2006/main" xmlns:r="http://schemas.openxmlformats.org/officeDocument/2006/relationships" xmlns:p="http://schemas.openxmlformats.org/presentationml/2006/main">
   <p:cSld>
+    <p:bg>
+      <p:bgPr>
+        <a:blipFill dpi="0" rotWithShape="1">
+          <a:blip r:embed="rId2">
+            <a:lum/>
+          </a:blip>
+          <a:srcRect/>
+          <a:stretch>
+            <a:fillRect/>
+          </a:stretch>
+        </a:blipFill>
+        <a:effectLst/>
+      </p:bgPr>
+    </p:bg>
     <p:spTree>
       <p:nvGrpSpPr>
         <p:cNvPr id="1" name=""/>
@@ -5737,7 +6022,7 @@
                   </a:schemeClr>
                 </a:solidFill>
               </a:rPr>
-              <a:t>    WriteLine("Good choice, C# is a fine language.");</a:t>
+              <a:t>  WriteLine("Good choice, C# is a fine language.");</a:t>
             </a:r>
           </a:p>
           <a:p>
@@ -5822,7 +6107,7 @@
             <p:nvPr/>
           </p:nvPicPr>
           <p:blipFill>
-            <a:blip r:embed="rId2">
+            <a:blip r:embed="rId3">
               <a:alphaModFix amt="30000"/>
             </a:blip>
             <a:stretch>
@@ -7865,7 +8150,7 @@
           <p:nvPr/>
         </p:nvPicPr>
         <p:blipFill>
-          <a:blip r:embed="rId3">
+          <a:blip r:embed="rId4">
             <a:alphaModFix amt="30000"/>
           </a:blip>
           <a:stretch>
@@ -8136,6 +8421,20 @@
 <file path=ppt/slides/slide3.xml><?xml version="1.0" encoding="utf-8"?>
 <p:sld xmlns:a="http://schemas.openxmlformats.org/drawingml/2006/main" xmlns:r="http://schemas.openxmlformats.org/officeDocument/2006/relationships" xmlns:p="http://schemas.openxmlformats.org/presentationml/2006/main">
   <p:cSld>
+    <p:bg>
+      <p:bgPr>
+        <a:blipFill dpi="0" rotWithShape="1">
+          <a:blip r:embed="rId2">
+            <a:lum/>
+          </a:blip>
+          <a:srcRect/>
+          <a:stretch>
+            <a:fillRect/>
+          </a:stretch>
+        </a:blipFill>
+        <a:effectLst/>
+      </p:bgPr>
+    </p:bg>
     <p:spTree>
       <p:nvGrpSpPr>
         <p:cNvPr id="1" name=""/>
@@ -8314,7 +8613,7 @@
               </a:pPr>
               <a:r>
                 <a:rPr lang="en-US" sz="1600" dirty="0"/>
-                <a:t>    WriteLine("Good choice, C# is a fine language.");</a:t>
+                <a:t>  WriteLine("Good choice, C# is a fine language.");</a:t>
               </a:r>
             </a:p>
             <a:p>
@@ -8393,7 +8692,7 @@
               <p:nvPr/>
             </p:nvPicPr>
             <p:blipFill>
-              <a:blip r:embed="rId2">
+              <a:blip r:embed="rId3">
                 <a:alphaModFix amt="30000"/>
               </a:blip>
               <a:stretch>
@@ -10391,7 +10690,7 @@
             <p:nvPr/>
           </p:nvPicPr>
           <p:blipFill>
-            <a:blip r:embed="rId3">
+            <a:blip r:embed="rId4">
               <a:alphaModFix amt="30000"/>
             </a:blip>
             <a:stretch>
@@ -11185,6 +11484,20 @@
 <file path=ppt/slides/slide4.xml><?xml version="1.0" encoding="utf-8"?>
 <p:sld xmlns:a="http://schemas.openxmlformats.org/drawingml/2006/main" xmlns:r="http://schemas.openxmlformats.org/officeDocument/2006/relationships" xmlns:p="http://schemas.openxmlformats.org/presentationml/2006/main">
   <p:cSld>
+    <p:bg>
+      <p:bgPr>
+        <a:blipFill dpi="0" rotWithShape="1">
+          <a:blip r:embed="rId2">
+            <a:lum/>
+          </a:blip>
+          <a:srcRect/>
+          <a:stretch>
+            <a:fillRect/>
+          </a:stretch>
+        </a:blipFill>
+        <a:effectLst/>
+      </p:bgPr>
+    </p:bg>
     <p:spTree>
       <p:nvGrpSpPr>
         <p:cNvPr id="1" name=""/>
@@ -11375,7 +11688,7 @@
                     </a:schemeClr>
                   </a:solidFill>
                 </a:rPr>
-                <a:t>    WriteLine("Good choice, C# is a fine language.");</a:t>
+                <a:t>  WriteLine("Good choice, C# is a fine language.");</a:t>
               </a:r>
             </a:p>
             <a:p>
@@ -11454,7 +11767,7 @@
               <p:nvPr/>
             </p:nvPicPr>
             <p:blipFill>
-              <a:blip r:embed="rId2">
+              <a:blip r:embed="rId3">
                 <a:alphaModFix amt="30000"/>
               </a:blip>
               <a:stretch>
@@ -13486,7 +13799,7 @@
             <p:nvPr/>
           </p:nvPicPr>
           <p:blipFill>
-            <a:blip r:embed="rId3">
+            <a:blip r:embed="rId4">
               <a:alphaModFix/>
             </a:blip>
             <a:stretch>
@@ -13834,6 +14147,20 @@
 <file path=ppt/slides/slide5.xml><?xml version="1.0" encoding="utf-8"?>
 <p:sld xmlns:a="http://schemas.openxmlformats.org/drawingml/2006/main" xmlns:r="http://schemas.openxmlformats.org/officeDocument/2006/relationships" xmlns:p="http://schemas.openxmlformats.org/presentationml/2006/main">
   <p:cSld>
+    <p:bg>
+      <p:bgPr>
+        <a:blipFill dpi="0" rotWithShape="1">
+          <a:blip r:embed="rId2">
+            <a:lum/>
+          </a:blip>
+          <a:srcRect/>
+          <a:stretch>
+            <a:fillRect/>
+          </a:stretch>
+        </a:blipFill>
+        <a:effectLst/>
+      </p:bgPr>
+    </p:bg>
     <p:spTree>
       <p:nvGrpSpPr>
         <p:cNvPr id="1" name=""/>
@@ -14018,7 +14345,7 @@
                     </a:schemeClr>
                   </a:solidFill>
                 </a:rPr>
-                <a:t>    WriteLine("Good choice, C# is a fine language.");</a:t>
+                <a:t>  WriteLine("Good choice, C# is a fine language.");</a:t>
               </a:r>
             </a:p>
             <a:p>
@@ -14103,7 +14430,7 @@
               <p:nvPr/>
             </p:nvPicPr>
             <p:blipFill>
-              <a:blip r:embed="rId2">
+              <a:blip r:embed="rId3">
                 <a:alphaModFix amt="30000"/>
               </a:blip>
               <a:stretch>
@@ -16146,7 +16473,7 @@
             <p:nvPr/>
           </p:nvPicPr>
           <p:blipFill>
-            <a:blip r:embed="rId3">
+            <a:blip r:embed="rId4">
               <a:alphaModFix amt="30000"/>
             </a:blip>
             <a:stretch>
@@ -16278,6 +16605,272 @@
                   <a:latin typeface="Gaegu" pitchFamily="2" charset="0"/>
                 </a:rPr>
                 <a:t>Memory</a:t>
+              </a:r>
+            </a:p>
+          </p:txBody>
+        </p:sp>
+        <p:sp>
+          <p:nvSpPr>
+            <p:cNvPr id="9" name="Rectangle 8">
+              <a:extLst>
+                <a:ext uri="{FF2B5EF4-FFF2-40B4-BE49-F238E27FC236}">
+                  <a16:creationId xmlns:a16="http://schemas.microsoft.com/office/drawing/2014/main" id="{F2399F5E-419B-BEAA-1592-C77EE1CFCD6A}"/>
+                </a:ext>
+              </a:extLst>
+            </p:cNvPr>
+            <p:cNvSpPr/>
+            <p:nvPr/>
+          </p:nvSpPr>
+          <p:spPr>
+            <a:xfrm>
+              <a:off x="4842467" y="-2414636"/>
+              <a:ext cx="2319342" cy="1085065"/>
+            </a:xfrm>
+            <a:custGeom>
+              <a:avLst/>
+              <a:gdLst>
+                <a:gd name="connsiteX0" fmla="*/ 0 w 2319342"/>
+                <a:gd name="connsiteY0" fmla="*/ 0 h 1085065"/>
+                <a:gd name="connsiteX1" fmla="*/ 556642 w 2319342"/>
+                <a:gd name="connsiteY1" fmla="*/ 0 h 1085065"/>
+                <a:gd name="connsiteX2" fmla="*/ 1136478 w 2319342"/>
+                <a:gd name="connsiteY2" fmla="*/ 0 h 1085065"/>
+                <a:gd name="connsiteX3" fmla="*/ 1739507 w 2319342"/>
+                <a:gd name="connsiteY3" fmla="*/ 0 h 1085065"/>
+                <a:gd name="connsiteX4" fmla="*/ 2319342 w 2319342"/>
+                <a:gd name="connsiteY4" fmla="*/ 0 h 1085065"/>
+                <a:gd name="connsiteX5" fmla="*/ 2319342 w 2319342"/>
+                <a:gd name="connsiteY5" fmla="*/ 553383 h 1085065"/>
+                <a:gd name="connsiteX6" fmla="*/ 2319342 w 2319342"/>
+                <a:gd name="connsiteY6" fmla="*/ 1085065 h 1085065"/>
+                <a:gd name="connsiteX7" fmla="*/ 1693120 w 2319342"/>
+                <a:gd name="connsiteY7" fmla="*/ 1085065 h 1085065"/>
+                <a:gd name="connsiteX8" fmla="*/ 1066897 w 2319342"/>
+                <a:gd name="connsiteY8" fmla="*/ 1085065 h 1085065"/>
+                <a:gd name="connsiteX9" fmla="*/ 0 w 2319342"/>
+                <a:gd name="connsiteY9" fmla="*/ 1085065 h 1085065"/>
+                <a:gd name="connsiteX10" fmla="*/ 0 w 2319342"/>
+                <a:gd name="connsiteY10" fmla="*/ 553383 h 1085065"/>
+                <a:gd name="connsiteX11" fmla="*/ 0 w 2319342"/>
+                <a:gd name="connsiteY11" fmla="*/ 0 h 1085065"/>
+              </a:gdLst>
+              <a:ahLst/>
+              <a:cxnLst>
+                <a:cxn ang="0">
+                  <a:pos x="connsiteX0" y="connsiteY0"/>
+                </a:cxn>
+                <a:cxn ang="0">
+                  <a:pos x="connsiteX1" y="connsiteY1"/>
+                </a:cxn>
+                <a:cxn ang="0">
+                  <a:pos x="connsiteX2" y="connsiteY2"/>
+                </a:cxn>
+                <a:cxn ang="0">
+                  <a:pos x="connsiteX3" y="connsiteY3"/>
+                </a:cxn>
+                <a:cxn ang="0">
+                  <a:pos x="connsiteX4" y="connsiteY4"/>
+                </a:cxn>
+                <a:cxn ang="0">
+                  <a:pos x="connsiteX5" y="connsiteY5"/>
+                </a:cxn>
+                <a:cxn ang="0">
+                  <a:pos x="connsiteX6" y="connsiteY6"/>
+                </a:cxn>
+                <a:cxn ang="0">
+                  <a:pos x="connsiteX7" y="connsiteY7"/>
+                </a:cxn>
+                <a:cxn ang="0">
+                  <a:pos x="connsiteX8" y="connsiteY8"/>
+                </a:cxn>
+                <a:cxn ang="0">
+                  <a:pos x="connsiteX9" y="connsiteY9"/>
+                </a:cxn>
+                <a:cxn ang="0">
+                  <a:pos x="connsiteX10" y="connsiteY10"/>
+                </a:cxn>
+                <a:cxn ang="0">
+                  <a:pos x="connsiteX11" y="connsiteY11"/>
+                </a:cxn>
+              </a:cxnLst>
+              <a:rect l="l" t="t" r="r" b="b"/>
+              <a:pathLst>
+                <a:path w="2319342" h="1085065" fill="none" extrusionOk="0">
+                  <a:moveTo>
+                    <a:pt x="0" y="0"/>
+                  </a:moveTo>
+                  <a:cubicBezTo>
+                    <a:pt x="244910" y="8049"/>
+                    <a:pt x="427656" y="5871"/>
+                    <a:pt x="556642" y="0"/>
+                  </a:cubicBezTo>
+                  <a:cubicBezTo>
+                    <a:pt x="685628" y="-5871"/>
+                    <a:pt x="928895" y="2356"/>
+                    <a:pt x="1136478" y="0"/>
+                  </a:cubicBezTo>
+                  <a:cubicBezTo>
+                    <a:pt x="1344061" y="-2356"/>
+                    <a:pt x="1506954" y="-27981"/>
+                    <a:pt x="1739507" y="0"/>
+                  </a:cubicBezTo>
+                  <a:cubicBezTo>
+                    <a:pt x="1972060" y="27981"/>
+                    <a:pt x="2137585" y="16308"/>
+                    <a:pt x="2319342" y="0"/>
+                  </a:cubicBezTo>
+                  <a:cubicBezTo>
+                    <a:pt x="2318967" y="271704"/>
+                    <a:pt x="2329405" y="397892"/>
+                    <a:pt x="2319342" y="553383"/>
+                  </a:cubicBezTo>
+                  <a:cubicBezTo>
+                    <a:pt x="2309279" y="708874"/>
+                    <a:pt x="2297827" y="956975"/>
+                    <a:pt x="2319342" y="1085065"/>
+                  </a:cubicBezTo>
+                  <a:cubicBezTo>
+                    <a:pt x="2025300" y="1066558"/>
+                    <a:pt x="1977899" y="1059598"/>
+                    <a:pt x="1693120" y="1085065"/>
+                  </a:cubicBezTo>
+                  <a:cubicBezTo>
+                    <a:pt x="1408341" y="1110532"/>
+                    <a:pt x="1370137" y="1061084"/>
+                    <a:pt x="1066897" y="1085065"/>
+                  </a:cubicBezTo>
+                  <a:cubicBezTo>
+                    <a:pt x="763657" y="1109046"/>
+                    <a:pt x="231034" y="1092406"/>
+                    <a:pt x="0" y="1085065"/>
+                  </a:cubicBezTo>
+                  <a:cubicBezTo>
+                    <a:pt x="-13849" y="960040"/>
+                    <a:pt x="-19899" y="725067"/>
+                    <a:pt x="0" y="553383"/>
+                  </a:cubicBezTo>
+                  <a:cubicBezTo>
+                    <a:pt x="19899" y="381699"/>
+                    <a:pt x="-3693" y="272116"/>
+                    <a:pt x="0" y="0"/>
+                  </a:cubicBezTo>
+                  <a:close/>
+                </a:path>
+                <a:path w="2319342" h="1085065" stroke="0" extrusionOk="0">
+                  <a:moveTo>
+                    <a:pt x="0" y="0"/>
+                  </a:moveTo>
+                  <a:cubicBezTo>
+                    <a:pt x="250788" y="10553"/>
+                    <a:pt x="289355" y="-26147"/>
+                    <a:pt x="556642" y="0"/>
+                  </a:cubicBezTo>
+                  <a:cubicBezTo>
+                    <a:pt x="823929" y="26147"/>
+                    <a:pt x="824788" y="-15765"/>
+                    <a:pt x="1066897" y="0"/>
+                  </a:cubicBezTo>
+                  <a:cubicBezTo>
+                    <a:pt x="1309007" y="15765"/>
+                    <a:pt x="1535627" y="-13640"/>
+                    <a:pt x="1693120" y="0"/>
+                  </a:cubicBezTo>
+                  <a:cubicBezTo>
+                    <a:pt x="1850613" y="13640"/>
+                    <a:pt x="2192900" y="12728"/>
+                    <a:pt x="2319342" y="0"/>
+                  </a:cubicBezTo>
+                  <a:cubicBezTo>
+                    <a:pt x="2297862" y="169500"/>
+                    <a:pt x="2342820" y="285308"/>
+                    <a:pt x="2319342" y="531682"/>
+                  </a:cubicBezTo>
+                  <a:cubicBezTo>
+                    <a:pt x="2295864" y="778056"/>
+                    <a:pt x="2309950" y="967639"/>
+                    <a:pt x="2319342" y="1085065"/>
+                  </a:cubicBezTo>
+                  <a:cubicBezTo>
+                    <a:pt x="2077166" y="1087935"/>
+                    <a:pt x="1976815" y="1088752"/>
+                    <a:pt x="1739507" y="1085065"/>
+                  </a:cubicBezTo>
+                  <a:cubicBezTo>
+                    <a:pt x="1502200" y="1081378"/>
+                    <a:pt x="1345320" y="1058058"/>
+                    <a:pt x="1113284" y="1085065"/>
+                  </a:cubicBezTo>
+                  <a:cubicBezTo>
+                    <a:pt x="881248" y="1112072"/>
+                    <a:pt x="762998" y="1075491"/>
+                    <a:pt x="603029" y="1085065"/>
+                  </a:cubicBezTo>
+                  <a:cubicBezTo>
+                    <a:pt x="443060" y="1094639"/>
+                    <a:pt x="230681" y="1060681"/>
+                    <a:pt x="0" y="1085065"/>
+                  </a:cubicBezTo>
+                  <a:cubicBezTo>
+                    <a:pt x="21856" y="935562"/>
+                    <a:pt x="-26363" y="762075"/>
+                    <a:pt x="0" y="542533"/>
+                  </a:cubicBezTo>
+                  <a:cubicBezTo>
+                    <a:pt x="26363" y="322991"/>
+                    <a:pt x="24427" y="211558"/>
+                    <a:pt x="0" y="0"/>
+                  </a:cubicBezTo>
+                  <a:close/>
+                </a:path>
+              </a:pathLst>
+            </a:custGeom>
+            <a:solidFill>
+              <a:schemeClr val="accent4">
+                <a:lumMod val="60000"/>
+                <a:lumOff val="40000"/>
+              </a:schemeClr>
+            </a:solidFill>
+            <a:ln w="12700">
+              <a:solidFill>
+                <a:schemeClr val="tx1"/>
+              </a:solidFill>
+              <a:extLst>
+                <a:ext uri="{C807C97D-BFC1-408E-A445-0C87EB9F89A2}">
+                  <ask:lineSketchStyleProps xmlns:ask="http://schemas.microsoft.com/office/drawing/2018/sketchyshapes" sd="1219033472">
+                    <a:prstGeom prst="rect">
+                      <a:avLst/>
+                    </a:prstGeom>
+                    <ask:type>
+                      <ask:lineSketchFreehand/>
+                    </ask:type>
+                  </ask:lineSketchStyleProps>
+                </a:ext>
+              </a:extLst>
+            </a:ln>
+            <a:effectLst/>
+          </p:spPr>
+          <p:style>
+            <a:lnRef idx="1">
+              <a:schemeClr val="accent4"/>
+            </a:lnRef>
+            <a:fillRef idx="2">
+              <a:schemeClr val="accent4"/>
+            </a:fillRef>
+            <a:effectRef idx="1">
+              <a:schemeClr val="accent4"/>
+            </a:effectRef>
+            <a:fontRef idx="minor">
+              <a:schemeClr val="dk1"/>
+            </a:fontRef>
+          </p:style>
+          <p:txBody>
+            <a:bodyPr rtlCol="0" anchor="ctr"/>
+            <a:lstStyle/>
+            <a:p>
+              <a:pPr algn="ctr"/>
+              <a:r>
+                <a:rPr lang="en-US" sz="1600" dirty="0"/>
+                <a:t>Now Let’s reset and see what happens if the user inputs “C++”</a:t>
               </a:r>
             </a:p>
           </p:txBody>
@@ -16418,6 +17011,20 @@
 <file path=ppt/slides/slide6.xml><?xml version="1.0" encoding="utf-8"?>
 <p:sld xmlns:a="http://schemas.openxmlformats.org/drawingml/2006/main" xmlns:r="http://schemas.openxmlformats.org/officeDocument/2006/relationships" xmlns:p="http://schemas.openxmlformats.org/presentationml/2006/main">
   <p:cSld>
+    <p:bg>
+      <p:bgPr>
+        <a:blipFill dpi="0" rotWithShape="1">
+          <a:blip r:embed="rId2">
+            <a:lum/>
+          </a:blip>
+          <a:srcRect/>
+          <a:stretch>
+            <a:fillRect/>
+          </a:stretch>
+        </a:blipFill>
+        <a:effectLst/>
+      </p:bgPr>
+    </p:bg>
     <p:spTree>
       <p:nvGrpSpPr>
         <p:cNvPr id="1" name=""/>
@@ -16601,16 +17208,6 @@
                 <a:buAutoNum type="arabicPeriod"/>
               </a:pPr>
               <a:r>
-                <a:rPr lang="en-US" sz="1600">
-                  <a:solidFill>
-                    <a:schemeClr val="bg1">
-                      <a:lumMod val="65000"/>
-                    </a:schemeClr>
-                  </a:solidFill>
-                </a:rPr>
-                <a:t>    WriteLine</a:t>
-              </a:r>
-              <a:r>
                 <a:rPr lang="en-US" sz="1600" dirty="0">
                   <a:solidFill>
                     <a:schemeClr val="bg1">
@@ -16618,7 +17215,7 @@
                     </a:schemeClr>
                   </a:solidFill>
                 </a:rPr>
-                <a:t>("Good choice, C# is a fine language.");</a:t>
+                <a:t>  WriteLine("Good choice, C# is a fine language.");</a:t>
               </a:r>
             </a:p>
             <a:p>
@@ -16697,7 +17294,7 @@
               <p:nvPr/>
             </p:nvPicPr>
             <p:blipFill>
-              <a:blip r:embed="rId2">
+              <a:blip r:embed="rId3">
                 <a:alphaModFix amt="30000"/>
               </a:blip>
               <a:stretch>
@@ -18729,7 +19326,7 @@
             <p:nvPr/>
           </p:nvPicPr>
           <p:blipFill>
-            <a:blip r:embed="rId3">
+            <a:blip r:embed="rId4">
               <a:alphaModFix/>
             </a:blip>
             <a:stretch>
